--- a/Online Store System.pptx
+++ b/Online Store System.pptx
@@ -107,6 +107,11 @@
       </a:defRPr>
     </a:lvl9pPr>
   </p:defaultTextStyle>
+  <p:extLst>
+    <p:ext uri="{EFAFB233-063F-42B5-8137-9DF3F51BA10A}">
+      <p15:sldGuideLst xmlns:p15="http://schemas.microsoft.com/office/powerpoint/2012/main"/>
+    </p:ext>
+  </p:extLst>
 </p:presentation>
 </file>
 
@@ -833,7 +838,7 @@
             <a:fld id="{B61BEF0D-F0BB-DE4B-95CE-6DB70DBA9567}" type="datetimeFigureOut">
               <a:rPr lang="en-US" dirty="0"/>
               <a:pPr/>
-              <a:t>11/21/2023</a:t>
+              <a:t>11/22/2023</a:t>
             </a:fld>
             <a:endParaRPr lang="en-US" dirty="0"/>
           </a:p>
@@ -1081,7 +1086,7 @@
             <a:fld id="{B61BEF0D-F0BB-DE4B-95CE-6DB70DBA9567}" type="datetimeFigureOut">
               <a:rPr lang="en-US" dirty="0"/>
               <a:pPr/>
-              <a:t>11/21/2023</a:t>
+              <a:t>11/22/2023</a:t>
             </a:fld>
             <a:endParaRPr lang="en-US" dirty="0"/>
           </a:p>
@@ -1392,7 +1397,7 @@
             <a:fld id="{B61BEF0D-F0BB-DE4B-95CE-6DB70DBA9567}" type="datetimeFigureOut">
               <a:rPr lang="en-US" dirty="0"/>
               <a:pPr/>
-              <a:t>11/21/2023</a:t>
+              <a:t>11/22/2023</a:t>
             </a:fld>
             <a:endParaRPr lang="en-US" dirty="0"/>
           </a:p>
@@ -1730,7 +1735,7 @@
             <a:fld id="{B61BEF0D-F0BB-DE4B-95CE-6DB70DBA9567}" type="datetimeFigureOut">
               <a:rPr lang="en-US" dirty="0"/>
               <a:pPr/>
-              <a:t>11/21/2023</a:t>
+              <a:t>11/22/2023</a:t>
             </a:fld>
             <a:endParaRPr lang="en-US" dirty="0"/>
           </a:p>
@@ -2041,7 +2046,7 @@
             <a:fld id="{B61BEF0D-F0BB-DE4B-95CE-6DB70DBA9567}" type="datetimeFigureOut">
               <a:rPr lang="en-US" dirty="0"/>
               <a:pPr/>
-              <a:t>11/21/2023</a:t>
+              <a:t>11/22/2023</a:t>
             </a:fld>
             <a:endParaRPr lang="en-US" dirty="0"/>
           </a:p>
@@ -2431,7 +2436,7 @@
             <a:fld id="{B61BEF0D-F0BB-DE4B-95CE-6DB70DBA9567}" type="datetimeFigureOut">
               <a:rPr lang="en-US" dirty="0"/>
               <a:pPr/>
-              <a:t>11/21/2023</a:t>
+              <a:t>11/22/2023</a:t>
             </a:fld>
             <a:endParaRPr lang="en-US" dirty="0"/>
           </a:p>
@@ -2597,7 +2602,7 @@
           <a:p>
             <a:fld id="{55C6B4A9-1611-4792-9094-5F34BCA07E0B}" type="datetimeFigureOut">
               <a:rPr lang="en-US" dirty="0"/>
-              <a:t>11/21/2023</a:t>
+              <a:t>11/22/2023</a:t>
             </a:fld>
             <a:endParaRPr lang="en-US" dirty="0"/>
           </a:p>
@@ -2773,7 +2778,7 @@
             <a:fld id="{B61BEF0D-F0BB-DE4B-95CE-6DB70DBA9567}" type="datetimeFigureOut">
               <a:rPr lang="en-US" dirty="0"/>
               <a:pPr/>
-              <a:t>11/21/2023</a:t>
+              <a:t>11/22/2023</a:t>
             </a:fld>
             <a:endParaRPr lang="en-US" dirty="0"/>
           </a:p>
@@ -2946,7 +2951,7 @@
             <a:fld id="{B61BEF0D-F0BB-DE4B-95CE-6DB70DBA9567}" type="datetimeFigureOut">
               <a:rPr lang="en-US" dirty="0"/>
               <a:pPr/>
-              <a:t>11/21/2023</a:t>
+              <a:t>11/22/2023</a:t>
             </a:fld>
             <a:endParaRPr lang="en-US" dirty="0"/>
           </a:p>
@@ -3190,7 +3195,7 @@
             <a:fld id="{B61BEF0D-F0BB-DE4B-95CE-6DB70DBA9567}" type="datetimeFigureOut">
               <a:rPr lang="en-US" dirty="0"/>
               <a:pPr/>
-              <a:t>11/21/2023</a:t>
+              <a:t>11/22/2023</a:t>
             </a:fld>
             <a:endParaRPr lang="en-US" dirty="0"/>
           </a:p>
@@ -3418,7 +3423,7 @@
           <a:p>
             <a:fld id="{EB712588-04B1-427B-82EE-E8DB90309F08}" type="datetimeFigureOut">
               <a:rPr lang="en-US" dirty="0"/>
-              <a:t>11/21/2023</a:t>
+              <a:t>11/22/2023</a:t>
             </a:fld>
             <a:endParaRPr lang="en-US" dirty="0"/>
           </a:p>
@@ -3788,7 +3793,7 @@
             <a:fld id="{B61BEF0D-F0BB-DE4B-95CE-6DB70DBA9567}" type="datetimeFigureOut">
               <a:rPr lang="en-US" dirty="0"/>
               <a:pPr/>
-              <a:t>11/21/2023</a:t>
+              <a:t>11/22/2023</a:t>
             </a:fld>
             <a:endParaRPr lang="en-US" dirty="0"/>
           </a:p>
@@ -3908,7 +3913,7 @@
             <a:fld id="{B61BEF0D-F0BB-DE4B-95CE-6DB70DBA9567}" type="datetimeFigureOut">
               <a:rPr lang="en-US" dirty="0"/>
               <a:pPr/>
-              <a:t>11/21/2023</a:t>
+              <a:t>11/22/2023</a:t>
             </a:fld>
             <a:endParaRPr lang="en-US" dirty="0"/>
           </a:p>
@@ -4000,7 +4005,7 @@
             <a:fld id="{B61BEF0D-F0BB-DE4B-95CE-6DB70DBA9567}" type="datetimeFigureOut">
               <a:rPr lang="en-US" dirty="0"/>
               <a:pPr/>
-              <a:t>11/21/2023</a:t>
+              <a:t>11/22/2023</a:t>
             </a:fld>
             <a:endParaRPr lang="en-US" dirty="0"/>
           </a:p>
@@ -4251,7 +4256,7 @@
           <a:p>
             <a:fld id="{42A54C80-263E-416B-A8E0-580EDEADCBDC}" type="datetimeFigureOut">
               <a:rPr lang="en-US" dirty="0"/>
-              <a:t>11/21/2023</a:t>
+              <a:t>11/22/2023</a:t>
             </a:fld>
             <a:endParaRPr lang="en-US" dirty="0"/>
           </a:p>
@@ -4510,7 +4515,7 @@
             <a:fld id="{B61BEF0D-F0BB-DE4B-95CE-6DB70DBA9567}" type="datetimeFigureOut">
               <a:rPr lang="en-US" dirty="0"/>
               <a:pPr/>
-              <a:t>11/21/2023</a:t>
+              <a:t>11/22/2023</a:t>
             </a:fld>
             <a:endParaRPr lang="en-US" dirty="0"/>
           </a:p>
@@ -5250,7 +5255,7 @@
             <a:fld id="{B61BEF0D-F0BB-DE4B-95CE-6DB70DBA9567}" type="datetimeFigureOut">
               <a:rPr lang="en-US" dirty="0"/>
               <a:pPr/>
-              <a:t>11/21/2023</a:t>
+              <a:t>11/22/2023</a:t>
             </a:fld>
             <a:endParaRPr lang="en-US" dirty="0"/>
           </a:p>
@@ -5967,7 +5972,7 @@
       </p:sp>
       <p:pic>
         <p:nvPicPr>
-          <p:cNvPr id="3" name="Picture 2"/>
+          <p:cNvPr id="4" name="Picture 3"/>
           <p:cNvPicPr>
             <a:picLocks noChangeAspect="1"/>
           </p:cNvPicPr>
@@ -5987,8 +5992,8 @@
         </p:blipFill>
         <p:spPr>
           <a:xfrm>
-            <a:off x="1565565" y="1270000"/>
-            <a:ext cx="6475940" cy="5336520"/>
+            <a:off x="719358" y="1390073"/>
+            <a:ext cx="8554644" cy="4934639"/>
           </a:xfrm>
           <a:prstGeom prst="rect">
             <a:avLst/>
